--- a/ppt 모음/CPython3.pptx
+++ b/ppt 모음/CPython3.pptx
@@ -5254,14 +5254,6 @@
             <a:r>
               <a:rPr lang="ko-KR" altLang="en-US" dirty="0"/>
               <a:t>포인터로 반환되어 </a:t>
-            </a:r>
-            <a:r>
-              <a:rPr lang="en-US" altLang="ko-KR" dirty="0" err="1"/>
-              <a:t>eof</a:t>
-            </a:r>
-            <a:r>
-              <a:rPr lang="ko-KR" altLang="en-US" dirty="0"/>
-              <a:t>나 </a:t>
             </a:r>
             <a:r>
               <a:rPr lang="en-US" altLang="ko-KR" dirty="0"/>
